--- a/Docker/docker.pptx
+++ b/Docker/docker.pptx
@@ -12,6 +12,7 @@
     <p:sldId id="260" r:id="rId6"/>
     <p:sldId id="261" r:id="rId7"/>
     <p:sldId id="262" r:id="rId8"/>
+    <p:sldId id="263" r:id="rId9"/>
   </p:sldIdLst>
   <p:sldSz cx="12192000" cy="6858000"/>
   <p:notesSz cx="6858000" cy="9144000"/>
@@ -249,7 +250,7 @@
           <a:p>
             <a:fld id="{DB4984D4-2118-414A-87DC-73CA14EE7577}" type="datetimeFigureOut">
               <a:rPr lang="ko-KR" altLang="en-US" smtClean="0"/>
-              <a:t>2020-01-02</a:t>
+              <a:t>2020-01-03</a:t>
             </a:fld>
             <a:endParaRPr lang="ko-KR" altLang="en-US" dirty="0"/>
           </a:p>
@@ -419,7 +420,7 @@
           <a:p>
             <a:fld id="{DB4984D4-2118-414A-87DC-73CA14EE7577}" type="datetimeFigureOut">
               <a:rPr lang="ko-KR" altLang="en-US" smtClean="0"/>
-              <a:t>2020-01-02</a:t>
+              <a:t>2020-01-03</a:t>
             </a:fld>
             <a:endParaRPr lang="ko-KR" altLang="en-US" dirty="0"/>
           </a:p>
@@ -599,7 +600,7 @@
           <a:p>
             <a:fld id="{DB4984D4-2118-414A-87DC-73CA14EE7577}" type="datetimeFigureOut">
               <a:rPr lang="ko-KR" altLang="en-US" smtClean="0"/>
-              <a:t>2020-01-02</a:t>
+              <a:t>2020-01-03</a:t>
             </a:fld>
             <a:endParaRPr lang="ko-KR" altLang="en-US" dirty="0"/>
           </a:p>
@@ -769,7 +770,7 @@
           <a:p>
             <a:fld id="{DB4984D4-2118-414A-87DC-73CA14EE7577}" type="datetimeFigureOut">
               <a:rPr lang="ko-KR" altLang="en-US" smtClean="0"/>
-              <a:t>2020-01-02</a:t>
+              <a:t>2020-01-03</a:t>
             </a:fld>
             <a:endParaRPr lang="ko-KR" altLang="en-US" dirty="0"/>
           </a:p>
@@ -1015,7 +1016,7 @@
           <a:p>
             <a:fld id="{DB4984D4-2118-414A-87DC-73CA14EE7577}" type="datetimeFigureOut">
               <a:rPr lang="ko-KR" altLang="en-US" smtClean="0"/>
-              <a:t>2020-01-02</a:t>
+              <a:t>2020-01-03</a:t>
             </a:fld>
             <a:endParaRPr lang="ko-KR" altLang="en-US" dirty="0"/>
           </a:p>
@@ -1247,7 +1248,7 @@
           <a:p>
             <a:fld id="{DB4984D4-2118-414A-87DC-73CA14EE7577}" type="datetimeFigureOut">
               <a:rPr lang="ko-KR" altLang="en-US" smtClean="0"/>
-              <a:t>2020-01-02</a:t>
+              <a:t>2020-01-03</a:t>
             </a:fld>
             <a:endParaRPr lang="ko-KR" altLang="en-US" dirty="0"/>
           </a:p>
@@ -1614,7 +1615,7 @@
           <a:p>
             <a:fld id="{DB4984D4-2118-414A-87DC-73CA14EE7577}" type="datetimeFigureOut">
               <a:rPr lang="ko-KR" altLang="en-US" smtClean="0"/>
-              <a:t>2020-01-02</a:t>
+              <a:t>2020-01-03</a:t>
             </a:fld>
             <a:endParaRPr lang="ko-KR" altLang="en-US" dirty="0"/>
           </a:p>
@@ -1732,7 +1733,7 @@
           <a:p>
             <a:fld id="{DB4984D4-2118-414A-87DC-73CA14EE7577}" type="datetimeFigureOut">
               <a:rPr lang="ko-KR" altLang="en-US" smtClean="0"/>
-              <a:t>2020-01-02</a:t>
+              <a:t>2020-01-03</a:t>
             </a:fld>
             <a:endParaRPr lang="ko-KR" altLang="en-US" dirty="0"/>
           </a:p>
@@ -1827,7 +1828,7 @@
           <a:p>
             <a:fld id="{DB4984D4-2118-414A-87DC-73CA14EE7577}" type="datetimeFigureOut">
               <a:rPr lang="ko-KR" altLang="en-US" smtClean="0"/>
-              <a:t>2020-01-02</a:t>
+              <a:t>2020-01-03</a:t>
             </a:fld>
             <a:endParaRPr lang="ko-KR" altLang="en-US" dirty="0"/>
           </a:p>
@@ -2104,7 +2105,7 @@
           <a:p>
             <a:fld id="{DB4984D4-2118-414A-87DC-73CA14EE7577}" type="datetimeFigureOut">
               <a:rPr lang="ko-KR" altLang="en-US" smtClean="0"/>
-              <a:t>2020-01-02</a:t>
+              <a:t>2020-01-03</a:t>
             </a:fld>
             <a:endParaRPr lang="ko-KR" altLang="en-US" dirty="0"/>
           </a:p>
@@ -2357,7 +2358,7 @@
           <a:p>
             <a:fld id="{DB4984D4-2118-414A-87DC-73CA14EE7577}" type="datetimeFigureOut">
               <a:rPr lang="ko-KR" altLang="en-US" smtClean="0"/>
-              <a:t>2020-01-02</a:t>
+              <a:t>2020-01-03</a:t>
             </a:fld>
             <a:endParaRPr lang="ko-KR" altLang="en-US" dirty="0"/>
           </a:p>
@@ -2570,7 +2571,7 @@
           <a:p>
             <a:fld id="{DB4984D4-2118-414A-87DC-73CA14EE7577}" type="datetimeFigureOut">
               <a:rPr lang="ko-KR" altLang="en-US" smtClean="0"/>
-              <a:t>2020-01-02</a:t>
+              <a:t>2020-01-03</a:t>
             </a:fld>
             <a:endParaRPr lang="ko-KR" altLang="en-US" dirty="0"/>
           </a:p>
@@ -8033,6 +8034,663 @@
 </p:sld>
 </file>
 
+<file path=ppt/slides/slide8.xml><?xml version="1.0" encoding="utf-8"?>
+<p:sld xmlns:a="http://schemas.openxmlformats.org/drawingml/2006/main" xmlns:r="http://schemas.openxmlformats.org/officeDocument/2006/relationships" xmlns:p="http://schemas.openxmlformats.org/presentationml/2006/main">
+  <p:cSld>
+    <p:spTree>
+      <p:nvGrpSpPr>
+        <p:cNvPr id="1" name=""/>
+        <p:cNvGrpSpPr/>
+        <p:nvPr/>
+      </p:nvGrpSpPr>
+      <p:grpSpPr>
+        <a:xfrm>
+          <a:off x="0" y="0"/>
+          <a:ext cx="0" cy="0"/>
+          <a:chOff x="0" y="0"/>
+          <a:chExt cx="0" cy="0"/>
+        </a:xfrm>
+      </p:grpSpPr>
+      <p:sp>
+        <p:nvSpPr>
+          <p:cNvPr id="4" name="TextBox 3"/>
+          <p:cNvSpPr txBox="1"/>
+          <p:nvPr/>
+        </p:nvSpPr>
+        <p:spPr>
+          <a:xfrm>
+            <a:off x="1558636" y="4333010"/>
+            <a:ext cx="1702710" cy="369332"/>
+          </a:xfrm>
+          <a:prstGeom prst="rect">
+            <a:avLst/>
+          </a:prstGeom>
+          <a:noFill/>
+        </p:spPr>
+        <p:txBody>
+          <a:bodyPr wrap="none" rtlCol="0">
+            <a:spAutoFit/>
+          </a:bodyPr>
+          <a:lstStyle/>
+          <a:p>
+            <a:r>
+              <a:rPr lang="en-US" altLang="ko-KR" dirty="0"/>
+              <a:t>47a0b76b098c</a:t>
+            </a:r>
+            <a:endParaRPr lang="ko-KR" altLang="en-US" dirty="0"/>
+          </a:p>
+        </p:txBody>
+      </p:sp>
+      <p:sp>
+        <p:nvSpPr>
+          <p:cNvPr id="5" name="TextBox 4"/>
+          <p:cNvSpPr txBox="1"/>
+          <p:nvPr/>
+        </p:nvSpPr>
+        <p:spPr>
+          <a:xfrm>
+            <a:off x="5226627" y="4333010"/>
+            <a:ext cx="1752403" cy="369332"/>
+          </a:xfrm>
+          <a:prstGeom prst="rect">
+            <a:avLst/>
+          </a:prstGeom>
+          <a:noFill/>
+        </p:spPr>
+        <p:txBody>
+          <a:bodyPr wrap="none" rtlCol="0">
+            <a:spAutoFit/>
+          </a:bodyPr>
+          <a:lstStyle/>
+          <a:p>
+            <a:r>
+              <a:rPr lang="en-US" altLang="ko-KR" dirty="0"/>
+              <a:t>8266d03bdb76</a:t>
+            </a:r>
+            <a:endParaRPr lang="ko-KR" altLang="en-US" dirty="0"/>
+          </a:p>
+        </p:txBody>
+      </p:sp>
+      <p:sp>
+        <p:nvSpPr>
+          <p:cNvPr id="6" name="TextBox 5"/>
+          <p:cNvSpPr txBox="1"/>
+          <p:nvPr/>
+        </p:nvSpPr>
+        <p:spPr>
+          <a:xfrm>
+            <a:off x="8666018" y="4333010"/>
+            <a:ext cx="1683410" cy="369332"/>
+          </a:xfrm>
+          <a:prstGeom prst="rect">
+            <a:avLst/>
+          </a:prstGeom>
+          <a:noFill/>
+        </p:spPr>
+        <p:txBody>
+          <a:bodyPr wrap="none" rtlCol="0">
+            <a:spAutoFit/>
+          </a:bodyPr>
+          <a:lstStyle/>
+          <a:p>
+            <a:r>
+              <a:rPr lang="en-US" altLang="ko-KR" dirty="0"/>
+              <a:t>912c473cbad1</a:t>
+            </a:r>
+            <a:endParaRPr lang="ko-KR" altLang="en-US" dirty="0"/>
+          </a:p>
+        </p:txBody>
+      </p:sp>
+      <p:sp>
+        <p:nvSpPr>
+          <p:cNvPr id="7" name="TextBox 6"/>
+          <p:cNvSpPr txBox="1"/>
+          <p:nvPr/>
+        </p:nvSpPr>
+        <p:spPr>
+          <a:xfrm>
+            <a:off x="1771034" y="4894119"/>
+            <a:ext cx="1277914" cy="369332"/>
+          </a:xfrm>
+          <a:prstGeom prst="rect">
+            <a:avLst/>
+          </a:prstGeom>
+          <a:solidFill>
+            <a:schemeClr val="accent6">
+              <a:lumMod val="60000"/>
+              <a:lumOff val="40000"/>
+            </a:schemeClr>
+          </a:solidFill>
+        </p:spPr>
+        <p:txBody>
+          <a:bodyPr wrap="none" rtlCol="0">
+            <a:spAutoFit/>
+          </a:bodyPr>
+          <a:lstStyle/>
+          <a:p>
+            <a:r>
+              <a:rPr lang="en-US" altLang="ko-KR" dirty="0"/>
+              <a:t>e</a:t>
+            </a:r>
+            <a:r>
+              <a:rPr lang="en-US" altLang="ko-KR" dirty="0" smtClean="0"/>
+              <a:t>cho_api.1</a:t>
+            </a:r>
+            <a:endParaRPr lang="ko-KR" altLang="en-US" dirty="0"/>
+          </a:p>
+        </p:txBody>
+      </p:sp>
+      <p:sp>
+        <p:nvSpPr>
+          <p:cNvPr id="8" name="TextBox 7"/>
+          <p:cNvSpPr txBox="1"/>
+          <p:nvPr/>
+        </p:nvSpPr>
+        <p:spPr>
+          <a:xfrm>
+            <a:off x="5463871" y="4894119"/>
+            <a:ext cx="1277914" cy="369332"/>
+          </a:xfrm>
+          <a:prstGeom prst="rect">
+            <a:avLst/>
+          </a:prstGeom>
+          <a:solidFill>
+            <a:schemeClr val="accent6">
+              <a:lumMod val="60000"/>
+              <a:lumOff val="40000"/>
+            </a:schemeClr>
+          </a:solidFill>
+        </p:spPr>
+        <p:txBody>
+          <a:bodyPr wrap="none" rtlCol="0">
+            <a:spAutoFit/>
+          </a:bodyPr>
+          <a:lstStyle/>
+          <a:p>
+            <a:r>
+              <a:rPr lang="en-US" altLang="ko-KR" dirty="0" smtClean="0"/>
+              <a:t>echo_api.2</a:t>
+            </a:r>
+            <a:endParaRPr lang="ko-KR" altLang="en-US" dirty="0"/>
+          </a:p>
+        </p:txBody>
+      </p:sp>
+      <p:sp>
+        <p:nvSpPr>
+          <p:cNvPr id="9" name="TextBox 8"/>
+          <p:cNvSpPr txBox="1"/>
+          <p:nvPr/>
+        </p:nvSpPr>
+        <p:spPr>
+          <a:xfrm>
+            <a:off x="8868766" y="4894119"/>
+            <a:ext cx="1277914" cy="369332"/>
+          </a:xfrm>
+          <a:prstGeom prst="rect">
+            <a:avLst/>
+          </a:prstGeom>
+          <a:solidFill>
+            <a:schemeClr val="accent6">
+              <a:lumMod val="60000"/>
+              <a:lumOff val="40000"/>
+            </a:schemeClr>
+          </a:solidFill>
+        </p:spPr>
+        <p:txBody>
+          <a:bodyPr wrap="none" rtlCol="0">
+            <a:spAutoFit/>
+          </a:bodyPr>
+          <a:lstStyle/>
+          <a:p>
+            <a:r>
+              <a:rPr lang="en-US" altLang="ko-KR" dirty="0" smtClean="0"/>
+              <a:t>echo_api.3</a:t>
+            </a:r>
+            <a:endParaRPr lang="ko-KR" altLang="en-US" dirty="0"/>
+          </a:p>
+        </p:txBody>
+      </p:sp>
+      <p:sp>
+        <p:nvSpPr>
+          <p:cNvPr id="10" name="TextBox 9"/>
+          <p:cNvSpPr txBox="1"/>
+          <p:nvPr/>
+        </p:nvSpPr>
+        <p:spPr>
+          <a:xfrm>
+            <a:off x="1646000" y="5455228"/>
+            <a:ext cx="1527982" cy="369332"/>
+          </a:xfrm>
+          <a:prstGeom prst="rect">
+            <a:avLst/>
+          </a:prstGeom>
+          <a:solidFill>
+            <a:schemeClr val="accent6">
+              <a:lumMod val="60000"/>
+              <a:lumOff val="40000"/>
+            </a:schemeClr>
+          </a:solidFill>
+        </p:spPr>
+        <p:txBody>
+          <a:bodyPr wrap="none" rtlCol="0">
+            <a:spAutoFit/>
+          </a:bodyPr>
+          <a:lstStyle/>
+          <a:p>
+            <a:r>
+              <a:rPr lang="en-US" altLang="ko-KR" dirty="0" smtClean="0"/>
+              <a:t>echo_nginx.3</a:t>
+            </a:r>
+            <a:endParaRPr lang="ko-KR" altLang="en-US" dirty="0"/>
+          </a:p>
+        </p:txBody>
+      </p:sp>
+      <p:sp>
+        <p:nvSpPr>
+          <p:cNvPr id="13" name="TextBox 12"/>
+          <p:cNvSpPr txBox="1"/>
+          <p:nvPr/>
+        </p:nvSpPr>
+        <p:spPr>
+          <a:xfrm>
+            <a:off x="5336432" y="5455228"/>
+            <a:ext cx="1532792" cy="369332"/>
+          </a:xfrm>
+          <a:prstGeom prst="rect">
+            <a:avLst/>
+          </a:prstGeom>
+          <a:solidFill>
+            <a:schemeClr val="accent6">
+              <a:lumMod val="60000"/>
+              <a:lumOff val="40000"/>
+            </a:schemeClr>
+          </a:solidFill>
+        </p:spPr>
+        <p:txBody>
+          <a:bodyPr wrap="none" rtlCol="0">
+            <a:spAutoFit/>
+          </a:bodyPr>
+          <a:lstStyle/>
+          <a:p>
+            <a:r>
+              <a:rPr lang="en-US" altLang="ko-KR" dirty="0" smtClean="0"/>
+              <a:t>echo_nginx.1</a:t>
+            </a:r>
+            <a:endParaRPr lang="ko-KR" altLang="en-US" dirty="0"/>
+          </a:p>
+        </p:txBody>
+      </p:sp>
+      <p:sp>
+        <p:nvSpPr>
+          <p:cNvPr id="14" name="TextBox 13"/>
+          <p:cNvSpPr txBox="1"/>
+          <p:nvPr/>
+        </p:nvSpPr>
+        <p:spPr>
+          <a:xfrm>
+            <a:off x="8741327" y="5455228"/>
+            <a:ext cx="1532792" cy="369332"/>
+          </a:xfrm>
+          <a:prstGeom prst="rect">
+            <a:avLst/>
+          </a:prstGeom>
+          <a:solidFill>
+            <a:schemeClr val="accent6">
+              <a:lumMod val="60000"/>
+              <a:lumOff val="40000"/>
+            </a:schemeClr>
+          </a:solidFill>
+        </p:spPr>
+        <p:txBody>
+          <a:bodyPr wrap="none" rtlCol="0">
+            <a:spAutoFit/>
+          </a:bodyPr>
+          <a:lstStyle/>
+          <a:p>
+            <a:r>
+              <a:rPr lang="en-US" altLang="ko-KR" dirty="0" smtClean="0"/>
+              <a:t>echo_nginx.2</a:t>
+            </a:r>
+            <a:endParaRPr lang="ko-KR" altLang="en-US" dirty="0"/>
+          </a:p>
+        </p:txBody>
+      </p:sp>
+      <p:sp>
+        <p:nvSpPr>
+          <p:cNvPr id="15" name="TextBox 14"/>
+          <p:cNvSpPr txBox="1"/>
+          <p:nvPr/>
+        </p:nvSpPr>
+        <p:spPr>
+          <a:xfrm>
+            <a:off x="1837976" y="3683124"/>
+            <a:ext cx="1144031" cy="369332"/>
+          </a:xfrm>
+          <a:prstGeom prst="rect">
+            <a:avLst/>
+          </a:prstGeom>
+          <a:solidFill>
+            <a:schemeClr val="accent4">
+              <a:lumMod val="40000"/>
+              <a:lumOff val="60000"/>
+            </a:schemeClr>
+          </a:solidFill>
+        </p:spPr>
+        <p:txBody>
+          <a:bodyPr wrap="none" rtlCol="0">
+            <a:spAutoFit/>
+          </a:bodyPr>
+          <a:lstStyle/>
+          <a:p>
+            <a:r>
+              <a:rPr lang="en-US" altLang="ko-KR" dirty="0" smtClean="0"/>
+              <a:t>worker01</a:t>
+            </a:r>
+            <a:endParaRPr lang="ko-KR" altLang="en-US" dirty="0"/>
+          </a:p>
+        </p:txBody>
+      </p:sp>
+      <p:sp>
+        <p:nvSpPr>
+          <p:cNvPr id="16" name="TextBox 15"/>
+          <p:cNvSpPr txBox="1"/>
+          <p:nvPr/>
+        </p:nvSpPr>
+        <p:spPr>
+          <a:xfrm>
+            <a:off x="5530813" y="3683124"/>
+            <a:ext cx="1144031" cy="369332"/>
+          </a:xfrm>
+          <a:prstGeom prst="rect">
+            <a:avLst/>
+          </a:prstGeom>
+          <a:solidFill>
+            <a:schemeClr val="accent4">
+              <a:lumMod val="40000"/>
+              <a:lumOff val="60000"/>
+            </a:schemeClr>
+          </a:solidFill>
+        </p:spPr>
+        <p:txBody>
+          <a:bodyPr wrap="none" rtlCol="0">
+            <a:spAutoFit/>
+          </a:bodyPr>
+          <a:lstStyle/>
+          <a:p>
+            <a:r>
+              <a:rPr lang="en-US" altLang="ko-KR" dirty="0" smtClean="0"/>
+              <a:t>worker02</a:t>
+            </a:r>
+            <a:endParaRPr lang="ko-KR" altLang="en-US" dirty="0"/>
+          </a:p>
+        </p:txBody>
+      </p:sp>
+      <p:sp>
+        <p:nvSpPr>
+          <p:cNvPr id="17" name="TextBox 16"/>
+          <p:cNvSpPr txBox="1"/>
+          <p:nvPr/>
+        </p:nvSpPr>
+        <p:spPr>
+          <a:xfrm>
+            <a:off x="8935708" y="3657603"/>
+            <a:ext cx="1144031" cy="369332"/>
+          </a:xfrm>
+          <a:prstGeom prst="rect">
+            <a:avLst/>
+          </a:prstGeom>
+          <a:solidFill>
+            <a:schemeClr val="accent4">
+              <a:lumMod val="40000"/>
+              <a:lumOff val="60000"/>
+            </a:schemeClr>
+          </a:solidFill>
+        </p:spPr>
+        <p:txBody>
+          <a:bodyPr wrap="none" rtlCol="0">
+            <a:spAutoFit/>
+          </a:bodyPr>
+          <a:lstStyle/>
+          <a:p>
+            <a:r>
+              <a:rPr lang="en-US" altLang="ko-KR" dirty="0" smtClean="0"/>
+              <a:t>worker03</a:t>
+            </a:r>
+            <a:endParaRPr lang="ko-KR" altLang="en-US" dirty="0"/>
+          </a:p>
+        </p:txBody>
+      </p:sp>
+      <p:sp>
+        <p:nvSpPr>
+          <p:cNvPr id="18" name="TextBox 17"/>
+          <p:cNvSpPr txBox="1"/>
+          <p:nvPr/>
+        </p:nvSpPr>
+        <p:spPr>
+          <a:xfrm>
+            <a:off x="5546999" y="2615233"/>
+            <a:ext cx="1106393" cy="369332"/>
+          </a:xfrm>
+          <a:prstGeom prst="rect">
+            <a:avLst/>
+          </a:prstGeom>
+          <a:solidFill>
+            <a:schemeClr val="accent1">
+              <a:lumMod val="40000"/>
+              <a:lumOff val="60000"/>
+            </a:schemeClr>
+          </a:solidFill>
+        </p:spPr>
+        <p:txBody>
+          <a:bodyPr wrap="none" rtlCol="0">
+            <a:spAutoFit/>
+          </a:bodyPr>
+          <a:lstStyle/>
+          <a:p>
+            <a:r>
+              <a:rPr lang="en-US" altLang="ko-KR" dirty="0" smtClean="0"/>
+              <a:t>manager</a:t>
+            </a:r>
+            <a:endParaRPr lang="ko-KR" altLang="en-US" dirty="0"/>
+          </a:p>
+        </p:txBody>
+      </p:sp>
+      <p:sp>
+        <p:nvSpPr>
+          <p:cNvPr id="19" name="TextBox 18"/>
+          <p:cNvSpPr txBox="1"/>
+          <p:nvPr/>
+        </p:nvSpPr>
+        <p:spPr>
+          <a:xfrm>
+            <a:off x="5525516" y="1084307"/>
+            <a:ext cx="967252" cy="369332"/>
+          </a:xfrm>
+          <a:prstGeom prst="rect">
+            <a:avLst/>
+          </a:prstGeom>
+          <a:solidFill>
+            <a:schemeClr val="accent1">
+              <a:lumMod val="40000"/>
+              <a:lumOff val="60000"/>
+            </a:schemeClr>
+          </a:solidFill>
+        </p:spPr>
+        <p:txBody>
+          <a:bodyPr wrap="none" rtlCol="0">
+            <a:spAutoFit/>
+          </a:bodyPr>
+          <a:lstStyle/>
+          <a:p>
+            <a:r>
+              <a:rPr lang="en-US" altLang="ko-KR" dirty="0" smtClean="0"/>
+              <a:t>registry</a:t>
+            </a:r>
+            <a:endParaRPr lang="ko-KR" altLang="en-US" dirty="0"/>
+          </a:p>
+        </p:txBody>
+      </p:sp>
+      <p:cxnSp>
+        <p:nvCxnSpPr>
+          <p:cNvPr id="21" name="직선 연결선 20"/>
+          <p:cNvCxnSpPr/>
+          <p:nvPr/>
+        </p:nvCxnSpPr>
+        <p:spPr>
+          <a:xfrm>
+            <a:off x="758536" y="2348345"/>
+            <a:ext cx="10920846" cy="0"/>
+          </a:xfrm>
+          <a:prstGeom prst="line">
+            <a:avLst/>
+          </a:prstGeom>
+          <a:ln w="12700">
+            <a:solidFill>
+              <a:srgbClr val="FF0000"/>
+            </a:solidFill>
+            <a:prstDash val="dash"/>
+          </a:ln>
+        </p:spPr>
+        <p:style>
+          <a:lnRef idx="1">
+            <a:schemeClr val="accent1"/>
+          </a:lnRef>
+          <a:fillRef idx="0">
+            <a:schemeClr val="accent1"/>
+          </a:fillRef>
+          <a:effectRef idx="0">
+            <a:schemeClr val="accent1"/>
+          </a:effectRef>
+          <a:fontRef idx="minor">
+            <a:schemeClr val="tx1"/>
+          </a:fontRef>
+        </p:style>
+      </p:cxnSp>
+      <p:cxnSp>
+        <p:nvCxnSpPr>
+          <p:cNvPr id="23" name="꺾인 연결선 22"/>
+          <p:cNvCxnSpPr>
+            <a:stCxn id="18" idx="2"/>
+            <a:endCxn id="15" idx="0"/>
+          </p:cNvCxnSpPr>
+          <p:nvPr/>
+        </p:nvCxnSpPr>
+        <p:spPr>
+          <a:xfrm rot="5400000">
+            <a:off x="3905815" y="1488742"/>
+            <a:ext cx="698559" cy="3690204"/>
+          </a:xfrm>
+          <a:prstGeom prst="bentConnector3">
+            <a:avLst/>
+          </a:prstGeom>
+          <a:ln>
+            <a:tailEnd type="triangle"/>
+          </a:ln>
+        </p:spPr>
+        <p:style>
+          <a:lnRef idx="1">
+            <a:schemeClr val="accent1"/>
+          </a:lnRef>
+          <a:fillRef idx="0">
+            <a:schemeClr val="accent1"/>
+          </a:fillRef>
+          <a:effectRef idx="0">
+            <a:schemeClr val="accent1"/>
+          </a:effectRef>
+          <a:fontRef idx="minor">
+            <a:schemeClr val="tx1"/>
+          </a:fontRef>
+        </p:style>
+      </p:cxnSp>
+      <p:cxnSp>
+        <p:nvCxnSpPr>
+          <p:cNvPr id="24" name="꺾인 연결선 23"/>
+          <p:cNvCxnSpPr>
+            <a:stCxn id="18" idx="2"/>
+            <a:endCxn id="17" idx="0"/>
+          </p:cNvCxnSpPr>
+          <p:nvPr/>
+        </p:nvCxnSpPr>
+        <p:spPr>
+          <a:xfrm rot="16200000" flipH="1">
+            <a:off x="7467441" y="1617320"/>
+            <a:ext cx="673038" cy="3407528"/>
+          </a:xfrm>
+          <a:prstGeom prst="bentConnector3">
+            <a:avLst>
+              <a:gd name="adj1" fmla="val 50000"/>
+            </a:avLst>
+          </a:prstGeom>
+          <a:ln>
+            <a:tailEnd type="triangle"/>
+          </a:ln>
+        </p:spPr>
+        <p:style>
+          <a:lnRef idx="1">
+            <a:schemeClr val="accent1"/>
+          </a:lnRef>
+          <a:fillRef idx="0">
+            <a:schemeClr val="accent1"/>
+          </a:fillRef>
+          <a:effectRef idx="0">
+            <a:schemeClr val="accent1"/>
+          </a:effectRef>
+          <a:fontRef idx="minor">
+            <a:schemeClr val="tx1"/>
+          </a:fontRef>
+        </p:style>
+      </p:cxnSp>
+      <p:cxnSp>
+        <p:nvCxnSpPr>
+          <p:cNvPr id="27" name="꺾인 연결선 26"/>
+          <p:cNvCxnSpPr>
+            <a:stCxn id="18" idx="2"/>
+            <a:endCxn id="16" idx="0"/>
+          </p:cNvCxnSpPr>
+          <p:nvPr/>
+        </p:nvCxnSpPr>
+        <p:spPr>
+          <a:xfrm rot="16200000" flipH="1">
+            <a:off x="5752233" y="3332527"/>
+            <a:ext cx="698559" cy="2633"/>
+          </a:xfrm>
+          <a:prstGeom prst="bentConnector3">
+            <a:avLst>
+              <a:gd name="adj1" fmla="val 50000"/>
+            </a:avLst>
+          </a:prstGeom>
+          <a:ln>
+            <a:tailEnd type="triangle"/>
+          </a:ln>
+        </p:spPr>
+        <p:style>
+          <a:lnRef idx="1">
+            <a:schemeClr val="accent1"/>
+          </a:lnRef>
+          <a:fillRef idx="0">
+            <a:schemeClr val="accent1"/>
+          </a:fillRef>
+          <a:effectRef idx="0">
+            <a:schemeClr val="accent1"/>
+          </a:effectRef>
+          <a:fontRef idx="minor">
+            <a:schemeClr val="tx1"/>
+          </a:fontRef>
+        </p:style>
+      </p:cxnSp>
+    </p:spTree>
+    <p:extLst>
+      <p:ext uri="{BB962C8B-B14F-4D97-AF65-F5344CB8AC3E}">
+        <p14:creationId xmlns:p14="http://schemas.microsoft.com/office/powerpoint/2010/main" val="2811331477"/>
+      </p:ext>
+    </p:extLst>
+  </p:cSld>
+  <p:clrMapOvr>
+    <a:masterClrMapping/>
+  </p:clrMapOvr>
+</p:sld>
+</file>
+
 <file path=ppt/theme/theme1.xml><?xml version="1.0" encoding="utf-8"?>
 <a:theme xmlns:a="http://schemas.openxmlformats.org/drawingml/2006/main" name="Office 테마">
   <a:themeElements>

--- a/Docker/docker.pptx
+++ b/Docker/docker.pptx
@@ -13,6 +13,8 @@
     <p:sldId id="261" r:id="rId7"/>
     <p:sldId id="262" r:id="rId8"/>
     <p:sldId id="263" r:id="rId9"/>
+    <p:sldId id="264" r:id="rId10"/>
+    <p:sldId id="265" r:id="rId11"/>
   </p:sldIdLst>
   <p:sldSz cx="12192000" cy="6858000"/>
   <p:notesSz cx="6858000" cy="9144000"/>
@@ -250,7 +252,7 @@
           <a:p>
             <a:fld id="{DB4984D4-2118-414A-87DC-73CA14EE7577}" type="datetimeFigureOut">
               <a:rPr lang="ko-KR" altLang="en-US" smtClean="0"/>
-              <a:t>2020-01-03</a:t>
+              <a:t>2020-01-06</a:t>
             </a:fld>
             <a:endParaRPr lang="ko-KR" altLang="en-US" dirty="0"/>
           </a:p>
@@ -420,7 +422,7 @@
           <a:p>
             <a:fld id="{DB4984D4-2118-414A-87DC-73CA14EE7577}" type="datetimeFigureOut">
               <a:rPr lang="ko-KR" altLang="en-US" smtClean="0"/>
-              <a:t>2020-01-03</a:t>
+              <a:t>2020-01-06</a:t>
             </a:fld>
             <a:endParaRPr lang="ko-KR" altLang="en-US" dirty="0"/>
           </a:p>
@@ -600,7 +602,7 @@
           <a:p>
             <a:fld id="{DB4984D4-2118-414A-87DC-73CA14EE7577}" type="datetimeFigureOut">
               <a:rPr lang="ko-KR" altLang="en-US" smtClean="0"/>
-              <a:t>2020-01-03</a:t>
+              <a:t>2020-01-06</a:t>
             </a:fld>
             <a:endParaRPr lang="ko-KR" altLang="en-US" dirty="0"/>
           </a:p>
@@ -770,7 +772,7 @@
           <a:p>
             <a:fld id="{DB4984D4-2118-414A-87DC-73CA14EE7577}" type="datetimeFigureOut">
               <a:rPr lang="ko-KR" altLang="en-US" smtClean="0"/>
-              <a:t>2020-01-03</a:t>
+              <a:t>2020-01-06</a:t>
             </a:fld>
             <a:endParaRPr lang="ko-KR" altLang="en-US" dirty="0"/>
           </a:p>
@@ -1016,7 +1018,7 @@
           <a:p>
             <a:fld id="{DB4984D4-2118-414A-87DC-73CA14EE7577}" type="datetimeFigureOut">
               <a:rPr lang="ko-KR" altLang="en-US" smtClean="0"/>
-              <a:t>2020-01-03</a:t>
+              <a:t>2020-01-06</a:t>
             </a:fld>
             <a:endParaRPr lang="ko-KR" altLang="en-US" dirty="0"/>
           </a:p>
@@ -1248,7 +1250,7 @@
           <a:p>
             <a:fld id="{DB4984D4-2118-414A-87DC-73CA14EE7577}" type="datetimeFigureOut">
               <a:rPr lang="ko-KR" altLang="en-US" smtClean="0"/>
-              <a:t>2020-01-03</a:t>
+              <a:t>2020-01-06</a:t>
             </a:fld>
             <a:endParaRPr lang="ko-KR" altLang="en-US" dirty="0"/>
           </a:p>
@@ -1615,7 +1617,7 @@
           <a:p>
             <a:fld id="{DB4984D4-2118-414A-87DC-73CA14EE7577}" type="datetimeFigureOut">
               <a:rPr lang="ko-KR" altLang="en-US" smtClean="0"/>
-              <a:t>2020-01-03</a:t>
+              <a:t>2020-01-06</a:t>
             </a:fld>
             <a:endParaRPr lang="ko-KR" altLang="en-US" dirty="0"/>
           </a:p>
@@ -1733,7 +1735,7 @@
           <a:p>
             <a:fld id="{DB4984D4-2118-414A-87DC-73CA14EE7577}" type="datetimeFigureOut">
               <a:rPr lang="ko-KR" altLang="en-US" smtClean="0"/>
-              <a:t>2020-01-03</a:t>
+              <a:t>2020-01-06</a:t>
             </a:fld>
             <a:endParaRPr lang="ko-KR" altLang="en-US" dirty="0"/>
           </a:p>
@@ -1828,7 +1830,7 @@
           <a:p>
             <a:fld id="{DB4984D4-2118-414A-87DC-73CA14EE7577}" type="datetimeFigureOut">
               <a:rPr lang="ko-KR" altLang="en-US" smtClean="0"/>
-              <a:t>2020-01-03</a:t>
+              <a:t>2020-01-06</a:t>
             </a:fld>
             <a:endParaRPr lang="ko-KR" altLang="en-US" dirty="0"/>
           </a:p>
@@ -2105,7 +2107,7 @@
           <a:p>
             <a:fld id="{DB4984D4-2118-414A-87DC-73CA14EE7577}" type="datetimeFigureOut">
               <a:rPr lang="ko-KR" altLang="en-US" smtClean="0"/>
-              <a:t>2020-01-03</a:t>
+              <a:t>2020-01-06</a:t>
             </a:fld>
             <a:endParaRPr lang="ko-KR" altLang="en-US" dirty="0"/>
           </a:p>
@@ -2358,7 +2360,7 @@
           <a:p>
             <a:fld id="{DB4984D4-2118-414A-87DC-73CA14EE7577}" type="datetimeFigureOut">
               <a:rPr lang="ko-KR" altLang="en-US" smtClean="0"/>
-              <a:t>2020-01-03</a:t>
+              <a:t>2020-01-06</a:t>
             </a:fld>
             <a:endParaRPr lang="ko-KR" altLang="en-US" dirty="0"/>
           </a:p>
@@ -2571,7 +2573,7 @@
           <a:p>
             <a:fld id="{DB4984D4-2118-414A-87DC-73CA14EE7577}" type="datetimeFigureOut">
               <a:rPr lang="ko-KR" altLang="en-US" smtClean="0"/>
-              <a:t>2020-01-03</a:t>
+              <a:t>2020-01-06</a:t>
             </a:fld>
             <a:endParaRPr lang="ko-KR" altLang="en-US" dirty="0"/>
           </a:p>
@@ -3948,6 +3950,537 @@
 </p:sld>
 </file>
 
+<file path=ppt/slides/slide10.xml><?xml version="1.0" encoding="utf-8"?>
+<p:sld xmlns:a="http://schemas.openxmlformats.org/drawingml/2006/main" xmlns:r="http://schemas.openxmlformats.org/officeDocument/2006/relationships" xmlns:p="http://schemas.openxmlformats.org/presentationml/2006/main">
+  <p:cSld>
+    <p:spTree>
+      <p:nvGrpSpPr>
+        <p:cNvPr id="1" name=""/>
+        <p:cNvGrpSpPr/>
+        <p:nvPr/>
+      </p:nvGrpSpPr>
+      <p:grpSpPr>
+        <a:xfrm>
+          <a:off x="0" y="0"/>
+          <a:ext cx="0" cy="0"/>
+          <a:chOff x="0" y="0"/>
+          <a:chExt cx="0" cy="0"/>
+        </a:xfrm>
+      </p:grpSpPr>
+      <p:sp>
+        <p:nvSpPr>
+          <p:cNvPr id="9" name="직사각형 8"/>
+          <p:cNvSpPr/>
+          <p:nvPr/>
+        </p:nvSpPr>
+        <p:spPr>
+          <a:xfrm>
+            <a:off x="924791" y="5185063"/>
+            <a:ext cx="2142478" cy="571500"/>
+          </a:xfrm>
+          <a:prstGeom prst="rect">
+            <a:avLst/>
+          </a:prstGeom>
+        </p:spPr>
+        <p:style>
+          <a:lnRef idx="1">
+            <a:schemeClr val="accent4"/>
+          </a:lnRef>
+          <a:fillRef idx="2">
+            <a:schemeClr val="accent4"/>
+          </a:fillRef>
+          <a:effectRef idx="1">
+            <a:schemeClr val="accent4"/>
+          </a:effectRef>
+          <a:fontRef idx="minor">
+            <a:schemeClr val="dk1"/>
+          </a:fontRef>
+        </p:style>
+        <p:txBody>
+          <a:bodyPr rtlCol="0" anchor="ctr"/>
+          <a:lstStyle/>
+          <a:p>
+            <a:pPr algn="ctr"/>
+            <a:r>
+              <a:rPr lang="ko-KR" altLang="en-US" dirty="0" smtClean="0"/>
+              <a:t>클라이언트 요청</a:t>
+            </a:r>
+            <a:endParaRPr lang="ko-KR" altLang="en-US" dirty="0"/>
+          </a:p>
+        </p:txBody>
+      </p:sp>
+      <p:sp>
+        <p:nvSpPr>
+          <p:cNvPr id="10" name="직사각형 9"/>
+          <p:cNvSpPr/>
+          <p:nvPr/>
+        </p:nvSpPr>
+        <p:spPr>
+          <a:xfrm>
+            <a:off x="4639761" y="5185063"/>
+            <a:ext cx="2439912" cy="571500"/>
+          </a:xfrm>
+          <a:prstGeom prst="rect">
+            <a:avLst/>
+          </a:prstGeom>
+        </p:spPr>
+        <p:style>
+          <a:lnRef idx="1">
+            <a:schemeClr val="accent6"/>
+          </a:lnRef>
+          <a:fillRef idx="2">
+            <a:schemeClr val="accent6"/>
+          </a:fillRef>
+          <a:effectRef idx="1">
+            <a:schemeClr val="accent6"/>
+          </a:effectRef>
+          <a:fontRef idx="minor">
+            <a:schemeClr val="dk1"/>
+          </a:fontRef>
+        </p:style>
+        <p:txBody>
+          <a:bodyPr rtlCol="0" anchor="ctr"/>
+          <a:lstStyle/>
+          <a:p>
+            <a:pPr algn="ctr"/>
+            <a:r>
+              <a:rPr lang="en-US" altLang="ko-KR" dirty="0" smtClean="0"/>
+              <a:t>Nginx reverse proxy</a:t>
+            </a:r>
+            <a:endParaRPr lang="ko-KR" altLang="en-US" dirty="0"/>
+          </a:p>
+        </p:txBody>
+      </p:sp>
+      <p:sp>
+        <p:nvSpPr>
+          <p:cNvPr id="11" name="직사각형 10"/>
+          <p:cNvSpPr/>
+          <p:nvPr/>
+        </p:nvSpPr>
+        <p:spPr>
+          <a:xfrm>
+            <a:off x="8652164" y="5101936"/>
+            <a:ext cx="2881745" cy="737755"/>
+          </a:xfrm>
+          <a:prstGeom prst="rect">
+            <a:avLst/>
+          </a:prstGeom>
+        </p:spPr>
+        <p:style>
+          <a:lnRef idx="1">
+            <a:schemeClr val="accent5"/>
+          </a:lnRef>
+          <a:fillRef idx="2">
+            <a:schemeClr val="accent5"/>
+          </a:fillRef>
+          <a:effectRef idx="1">
+            <a:schemeClr val="accent5"/>
+          </a:effectRef>
+          <a:fontRef idx="minor">
+            <a:schemeClr val="dk1"/>
+          </a:fontRef>
+        </p:style>
+        <p:txBody>
+          <a:bodyPr rtlCol="0" anchor="ctr"/>
+          <a:lstStyle/>
+          <a:p>
+            <a:pPr algn="ctr"/>
+            <a:r>
+              <a:rPr lang="en-US" altLang="ko-KR" dirty="0" smtClean="0"/>
+              <a:t>Backend web application</a:t>
+            </a:r>
+          </a:p>
+          <a:p>
+            <a:pPr algn="ctr"/>
+            <a:r>
+              <a:rPr lang="en-US" altLang="ko-KR" dirty="0" smtClean="0"/>
+              <a:t>(API </a:t>
+            </a:r>
+            <a:r>
+              <a:rPr lang="ko-KR" altLang="en-US" dirty="0" smtClean="0"/>
+              <a:t>서비스</a:t>
+            </a:r>
+            <a:r>
+              <a:rPr lang="en-US" altLang="ko-KR" dirty="0" smtClean="0"/>
+              <a:t>)</a:t>
+            </a:r>
+            <a:endParaRPr lang="ko-KR" altLang="en-US" dirty="0"/>
+          </a:p>
+        </p:txBody>
+      </p:sp>
+      <p:sp>
+        <p:nvSpPr>
+          <p:cNvPr id="13" name="TextBox 12"/>
+          <p:cNvSpPr txBox="1"/>
+          <p:nvPr/>
+        </p:nvSpPr>
+        <p:spPr>
+          <a:xfrm>
+            <a:off x="4661472" y="1673580"/>
+            <a:ext cx="2396490" cy="369332"/>
+          </a:xfrm>
+          <a:prstGeom prst="rect">
+            <a:avLst/>
+          </a:prstGeom>
+          <a:noFill/>
+        </p:spPr>
+        <p:txBody>
+          <a:bodyPr wrap="none" rtlCol="0">
+            <a:spAutoFit/>
+          </a:bodyPr>
+          <a:lstStyle/>
+          <a:p>
+            <a:r>
+              <a:rPr lang="en-US" altLang="ko-KR" dirty="0" smtClean="0">
+                <a:solidFill>
+                  <a:srgbClr val="C00000"/>
+                </a:solidFill>
+              </a:rPr>
+              <a:t>todo_app_nginx:8000</a:t>
+            </a:r>
+            <a:endParaRPr lang="ko-KR" altLang="en-US" dirty="0">
+              <a:solidFill>
+                <a:srgbClr val="C00000"/>
+              </a:solidFill>
+            </a:endParaRPr>
+          </a:p>
+        </p:txBody>
+      </p:sp>
+      <p:sp>
+        <p:nvSpPr>
+          <p:cNvPr id="14" name="TextBox 13"/>
+          <p:cNvSpPr txBox="1"/>
+          <p:nvPr/>
+        </p:nvSpPr>
+        <p:spPr>
+          <a:xfrm>
+            <a:off x="9022230" y="1593916"/>
+            <a:ext cx="2141612" cy="369332"/>
+          </a:xfrm>
+          <a:prstGeom prst="rect">
+            <a:avLst/>
+          </a:prstGeom>
+          <a:noFill/>
+        </p:spPr>
+        <p:txBody>
+          <a:bodyPr wrap="none" rtlCol="0">
+            <a:spAutoFit/>
+          </a:bodyPr>
+          <a:lstStyle/>
+          <a:p>
+            <a:r>
+              <a:rPr lang="en-US" altLang="ko-KR" dirty="0" smtClean="0">
+                <a:solidFill>
+                  <a:srgbClr val="C00000"/>
+                </a:solidFill>
+              </a:rPr>
+              <a:t>todo_app_api:8080</a:t>
+            </a:r>
+            <a:endParaRPr lang="ko-KR" altLang="en-US" dirty="0">
+              <a:solidFill>
+                <a:srgbClr val="C00000"/>
+              </a:solidFill>
+            </a:endParaRPr>
+          </a:p>
+        </p:txBody>
+      </p:sp>
+      <p:cxnSp>
+        <p:nvCxnSpPr>
+          <p:cNvPr id="16" name="직선 화살표 연결선 15"/>
+          <p:cNvCxnSpPr>
+            <a:stCxn id="9" idx="3"/>
+            <a:endCxn id="10" idx="1"/>
+          </p:cNvCxnSpPr>
+          <p:nvPr/>
+        </p:nvCxnSpPr>
+        <p:spPr>
+          <a:xfrm>
+            <a:off x="3067269" y="5470813"/>
+            <a:ext cx="1572492" cy="0"/>
+          </a:xfrm>
+          <a:prstGeom prst="straightConnector1">
+            <a:avLst/>
+          </a:prstGeom>
+          <a:ln>
+            <a:tailEnd type="triangle"/>
+          </a:ln>
+        </p:spPr>
+        <p:style>
+          <a:lnRef idx="3">
+            <a:schemeClr val="accent2"/>
+          </a:lnRef>
+          <a:fillRef idx="0">
+            <a:schemeClr val="accent2"/>
+          </a:fillRef>
+          <a:effectRef idx="2">
+            <a:schemeClr val="accent2"/>
+          </a:effectRef>
+          <a:fontRef idx="minor">
+            <a:schemeClr val="tx1"/>
+          </a:fontRef>
+        </p:style>
+      </p:cxnSp>
+      <p:cxnSp>
+        <p:nvCxnSpPr>
+          <p:cNvPr id="17" name="직선 화살표 연결선 16"/>
+          <p:cNvCxnSpPr>
+            <a:stCxn id="10" idx="3"/>
+            <a:endCxn id="11" idx="1"/>
+          </p:cNvCxnSpPr>
+          <p:nvPr/>
+        </p:nvCxnSpPr>
+        <p:spPr>
+          <a:xfrm>
+            <a:off x="7079673" y="5470813"/>
+            <a:ext cx="1572491" cy="1"/>
+          </a:xfrm>
+          <a:prstGeom prst="straightConnector1">
+            <a:avLst/>
+          </a:prstGeom>
+          <a:ln>
+            <a:tailEnd type="triangle"/>
+          </a:ln>
+        </p:spPr>
+        <p:style>
+          <a:lnRef idx="3">
+            <a:schemeClr val="accent2"/>
+          </a:lnRef>
+          <a:fillRef idx="0">
+            <a:schemeClr val="accent2"/>
+          </a:fillRef>
+          <a:effectRef idx="2">
+            <a:schemeClr val="accent2"/>
+          </a:effectRef>
+          <a:fontRef idx="minor">
+            <a:schemeClr val="tx1"/>
+          </a:fontRef>
+        </p:style>
+      </p:cxnSp>
+      <p:sp>
+        <p:nvSpPr>
+          <p:cNvPr id="12" name="직사각형 11"/>
+          <p:cNvSpPr/>
+          <p:nvPr/>
+        </p:nvSpPr>
+        <p:spPr>
+          <a:xfrm>
+            <a:off x="4639761" y="2147460"/>
+            <a:ext cx="2439912" cy="571500"/>
+          </a:xfrm>
+          <a:prstGeom prst="rect">
+            <a:avLst/>
+          </a:prstGeom>
+        </p:spPr>
+        <p:style>
+          <a:lnRef idx="2">
+            <a:schemeClr val="dk1"/>
+          </a:lnRef>
+          <a:fillRef idx="1">
+            <a:schemeClr val="lt1"/>
+          </a:fillRef>
+          <a:effectRef idx="0">
+            <a:schemeClr val="dk1"/>
+          </a:effectRef>
+          <a:fontRef idx="minor">
+            <a:schemeClr val="dk1"/>
+          </a:fontRef>
+        </p:style>
+        <p:txBody>
+          <a:bodyPr rtlCol="0" anchor="ctr"/>
+          <a:lstStyle/>
+          <a:p>
+            <a:pPr algn="ctr"/>
+            <a:r>
+              <a:rPr lang="en-US" altLang="ko-KR" dirty="0" smtClean="0"/>
+              <a:t>Nginx reverse proxy</a:t>
+            </a:r>
+            <a:endParaRPr lang="ko-KR" altLang="en-US" dirty="0"/>
+          </a:p>
+        </p:txBody>
+      </p:sp>
+      <p:sp>
+        <p:nvSpPr>
+          <p:cNvPr id="15" name="직사각형 14"/>
+          <p:cNvSpPr/>
+          <p:nvPr/>
+        </p:nvSpPr>
+        <p:spPr>
+          <a:xfrm>
+            <a:off x="8652164" y="2064332"/>
+            <a:ext cx="2881745" cy="737755"/>
+          </a:xfrm>
+          <a:prstGeom prst="rect">
+            <a:avLst/>
+          </a:prstGeom>
+        </p:spPr>
+        <p:style>
+          <a:lnRef idx="2">
+            <a:schemeClr val="dk1"/>
+          </a:lnRef>
+          <a:fillRef idx="1">
+            <a:schemeClr val="lt1"/>
+          </a:fillRef>
+          <a:effectRef idx="0">
+            <a:schemeClr val="dk1"/>
+          </a:effectRef>
+          <a:fontRef idx="minor">
+            <a:schemeClr val="dk1"/>
+          </a:fontRef>
+        </p:style>
+        <p:txBody>
+          <a:bodyPr rtlCol="0" anchor="ctr"/>
+          <a:lstStyle/>
+          <a:p>
+            <a:pPr algn="ctr"/>
+            <a:r>
+              <a:rPr lang="en-US" altLang="ko-KR" dirty="0" smtClean="0"/>
+              <a:t>Backend web application</a:t>
+            </a:r>
+          </a:p>
+          <a:p>
+            <a:pPr algn="ctr"/>
+            <a:r>
+              <a:rPr lang="en-US" altLang="ko-KR" dirty="0" smtClean="0"/>
+              <a:t>(API </a:t>
+            </a:r>
+            <a:r>
+              <a:rPr lang="ko-KR" altLang="en-US" dirty="0" smtClean="0"/>
+              <a:t>서비스</a:t>
+            </a:r>
+            <a:r>
+              <a:rPr lang="en-US" altLang="ko-KR" dirty="0" smtClean="0"/>
+              <a:t>)</a:t>
+            </a:r>
+            <a:endParaRPr lang="ko-KR" altLang="en-US" dirty="0"/>
+          </a:p>
+        </p:txBody>
+      </p:sp>
+      <p:cxnSp>
+        <p:nvCxnSpPr>
+          <p:cNvPr id="3" name="꺾인 연결선 2"/>
+          <p:cNvCxnSpPr>
+            <a:stCxn id="11" idx="0"/>
+            <a:endCxn id="12" idx="2"/>
+          </p:cNvCxnSpPr>
+          <p:nvPr/>
+        </p:nvCxnSpPr>
+        <p:spPr>
+          <a:xfrm rot="16200000" flipV="1">
+            <a:off x="6784889" y="1793788"/>
+            <a:ext cx="2382976" cy="4233320"/>
+          </a:xfrm>
+          <a:prstGeom prst="bentConnector3">
+            <a:avLst>
+              <a:gd name="adj1" fmla="val 50000"/>
+            </a:avLst>
+          </a:prstGeom>
+          <a:ln>
+            <a:prstDash val="lgDash"/>
+            <a:tailEnd type="triangle"/>
+          </a:ln>
+        </p:spPr>
+        <p:style>
+          <a:lnRef idx="1">
+            <a:schemeClr val="dk1"/>
+          </a:lnRef>
+          <a:fillRef idx="0">
+            <a:schemeClr val="dk1"/>
+          </a:fillRef>
+          <a:effectRef idx="0">
+            <a:schemeClr val="dk1"/>
+          </a:effectRef>
+          <a:fontRef idx="minor">
+            <a:schemeClr val="tx1"/>
+          </a:fontRef>
+        </p:style>
+      </p:cxnSp>
+      <p:sp>
+        <p:nvSpPr>
+          <p:cNvPr id="18" name="TextBox 17"/>
+          <p:cNvSpPr txBox="1"/>
+          <p:nvPr/>
+        </p:nvSpPr>
+        <p:spPr>
+          <a:xfrm>
+            <a:off x="10175405" y="4315052"/>
+            <a:ext cx="1773306" cy="369332"/>
+          </a:xfrm>
+          <a:prstGeom prst="rect">
+            <a:avLst/>
+          </a:prstGeom>
+          <a:noFill/>
+        </p:spPr>
+        <p:txBody>
+          <a:bodyPr wrap="none" rtlCol="0">
+            <a:spAutoFit/>
+          </a:bodyPr>
+          <a:lstStyle/>
+          <a:p>
+            <a:r>
+              <a:rPr lang="en-US" altLang="ko-KR" dirty="0" smtClean="0">
+                <a:solidFill>
+                  <a:srgbClr val="0070C0"/>
+                </a:solidFill>
+              </a:rPr>
+              <a:t>TODO_API_URL</a:t>
+            </a:r>
+            <a:endParaRPr lang="ko-KR" altLang="en-US" dirty="0">
+              <a:solidFill>
+                <a:srgbClr val="0070C0"/>
+              </a:solidFill>
+            </a:endParaRPr>
+          </a:p>
+        </p:txBody>
+      </p:sp>
+      <p:cxnSp>
+        <p:nvCxnSpPr>
+          <p:cNvPr id="7" name="직선 화살표 연결선 6"/>
+          <p:cNvCxnSpPr>
+            <a:stCxn id="12" idx="3"/>
+            <a:endCxn id="15" idx="1"/>
+          </p:cNvCxnSpPr>
+          <p:nvPr/>
+        </p:nvCxnSpPr>
+        <p:spPr>
+          <a:xfrm>
+            <a:off x="7079673" y="2433210"/>
+            <a:ext cx="1572491" cy="0"/>
+          </a:xfrm>
+          <a:prstGeom prst="straightConnector1">
+            <a:avLst/>
+          </a:prstGeom>
+          <a:ln>
+            <a:tailEnd type="triangle"/>
+          </a:ln>
+        </p:spPr>
+        <p:style>
+          <a:lnRef idx="1">
+            <a:schemeClr val="dk1"/>
+          </a:lnRef>
+          <a:fillRef idx="0">
+            <a:schemeClr val="dk1"/>
+          </a:fillRef>
+          <a:effectRef idx="0">
+            <a:schemeClr val="dk1"/>
+          </a:effectRef>
+          <a:fontRef idx="minor">
+            <a:schemeClr val="tx1"/>
+          </a:fontRef>
+        </p:style>
+      </p:cxnSp>
+    </p:spTree>
+    <p:extLst>
+      <p:ext uri="{BB962C8B-B14F-4D97-AF65-F5344CB8AC3E}">
+        <p14:creationId xmlns:p14="http://schemas.microsoft.com/office/powerpoint/2010/main" val="641840569"/>
+      </p:ext>
+    </p:extLst>
+  </p:cSld>
+  <p:clrMapOvr>
+    <a:masterClrMapping/>
+  </p:clrMapOvr>
+</p:sld>
+</file>
+
 <file path=ppt/slides/slide2.xml><?xml version="1.0" encoding="utf-8"?>
 <p:sld xmlns:a="http://schemas.openxmlformats.org/drawingml/2006/main" xmlns:r="http://schemas.openxmlformats.org/officeDocument/2006/relationships" xmlns:p="http://schemas.openxmlformats.org/presentationml/2006/main">
   <p:cSld>
@@ -8682,6 +9215,453 @@
     <p:extLst>
       <p:ext uri="{BB962C8B-B14F-4D97-AF65-F5344CB8AC3E}">
         <p14:creationId xmlns:p14="http://schemas.microsoft.com/office/powerpoint/2010/main" val="2811331477"/>
+      </p:ext>
+    </p:extLst>
+  </p:cSld>
+  <p:clrMapOvr>
+    <a:masterClrMapping/>
+  </p:clrMapOvr>
+</p:sld>
+</file>
+
+<file path=ppt/slides/slide9.xml><?xml version="1.0" encoding="utf-8"?>
+<p:sld xmlns:a="http://schemas.openxmlformats.org/drawingml/2006/main" xmlns:r="http://schemas.openxmlformats.org/officeDocument/2006/relationships" xmlns:p="http://schemas.openxmlformats.org/presentationml/2006/main">
+  <p:cSld>
+    <p:spTree>
+      <p:nvGrpSpPr>
+        <p:cNvPr id="1" name=""/>
+        <p:cNvGrpSpPr/>
+        <p:nvPr/>
+      </p:nvGrpSpPr>
+      <p:grpSpPr>
+        <a:xfrm>
+          <a:off x="0" y="0"/>
+          <a:ext cx="0" cy="0"/>
+          <a:chOff x="0" y="0"/>
+          <a:chExt cx="0" cy="0"/>
+        </a:xfrm>
+      </p:grpSpPr>
+      <p:sp>
+        <p:nvSpPr>
+          <p:cNvPr id="9" name="직사각형 8"/>
+          <p:cNvSpPr/>
+          <p:nvPr/>
+        </p:nvSpPr>
+        <p:spPr>
+          <a:xfrm>
+            <a:off x="1049482" y="1631372"/>
+            <a:ext cx="2142478" cy="571500"/>
+          </a:xfrm>
+          <a:prstGeom prst="rect">
+            <a:avLst/>
+          </a:prstGeom>
+        </p:spPr>
+        <p:style>
+          <a:lnRef idx="1">
+            <a:schemeClr val="accent4"/>
+          </a:lnRef>
+          <a:fillRef idx="2">
+            <a:schemeClr val="accent4"/>
+          </a:fillRef>
+          <a:effectRef idx="1">
+            <a:schemeClr val="accent4"/>
+          </a:effectRef>
+          <a:fontRef idx="minor">
+            <a:schemeClr val="dk1"/>
+          </a:fontRef>
+        </p:style>
+        <p:txBody>
+          <a:bodyPr rtlCol="0" anchor="ctr"/>
+          <a:lstStyle/>
+          <a:p>
+            <a:pPr algn="ctr"/>
+            <a:r>
+              <a:rPr lang="ko-KR" altLang="en-US" dirty="0" smtClean="0"/>
+              <a:t>클라이언트 요청</a:t>
+            </a:r>
+            <a:endParaRPr lang="ko-KR" altLang="en-US" dirty="0"/>
+          </a:p>
+        </p:txBody>
+      </p:sp>
+      <p:sp>
+        <p:nvSpPr>
+          <p:cNvPr id="10" name="직사각형 9"/>
+          <p:cNvSpPr/>
+          <p:nvPr/>
+        </p:nvSpPr>
+        <p:spPr>
+          <a:xfrm>
+            <a:off x="4764452" y="1631372"/>
+            <a:ext cx="2439912" cy="571500"/>
+          </a:xfrm>
+          <a:prstGeom prst="rect">
+            <a:avLst/>
+          </a:prstGeom>
+        </p:spPr>
+        <p:style>
+          <a:lnRef idx="1">
+            <a:schemeClr val="accent6"/>
+          </a:lnRef>
+          <a:fillRef idx="2">
+            <a:schemeClr val="accent6"/>
+          </a:fillRef>
+          <a:effectRef idx="1">
+            <a:schemeClr val="accent6"/>
+          </a:effectRef>
+          <a:fontRef idx="minor">
+            <a:schemeClr val="dk1"/>
+          </a:fontRef>
+        </p:style>
+        <p:txBody>
+          <a:bodyPr rtlCol="0" anchor="ctr"/>
+          <a:lstStyle/>
+          <a:p>
+            <a:pPr algn="ctr"/>
+            <a:r>
+              <a:rPr lang="en-US" altLang="ko-KR" dirty="0" smtClean="0"/>
+              <a:t>Nginx reverse proxy</a:t>
+            </a:r>
+            <a:endParaRPr lang="ko-KR" altLang="en-US" dirty="0"/>
+          </a:p>
+        </p:txBody>
+      </p:sp>
+      <p:sp>
+        <p:nvSpPr>
+          <p:cNvPr id="11" name="직사각형 10"/>
+          <p:cNvSpPr/>
+          <p:nvPr/>
+        </p:nvSpPr>
+        <p:spPr>
+          <a:xfrm>
+            <a:off x="8776855" y="1548245"/>
+            <a:ext cx="2881745" cy="737755"/>
+          </a:xfrm>
+          <a:prstGeom prst="rect">
+            <a:avLst/>
+          </a:prstGeom>
+        </p:spPr>
+        <p:style>
+          <a:lnRef idx="1">
+            <a:schemeClr val="accent5"/>
+          </a:lnRef>
+          <a:fillRef idx="2">
+            <a:schemeClr val="accent5"/>
+          </a:fillRef>
+          <a:effectRef idx="1">
+            <a:schemeClr val="accent5"/>
+          </a:effectRef>
+          <a:fontRef idx="minor">
+            <a:schemeClr val="dk1"/>
+          </a:fontRef>
+        </p:style>
+        <p:txBody>
+          <a:bodyPr rtlCol="0" anchor="ctr"/>
+          <a:lstStyle/>
+          <a:p>
+            <a:pPr algn="ctr"/>
+            <a:r>
+              <a:rPr lang="en-US" altLang="ko-KR" dirty="0" smtClean="0"/>
+              <a:t>Backend web application</a:t>
+            </a:r>
+          </a:p>
+          <a:p>
+            <a:pPr algn="ctr"/>
+            <a:r>
+              <a:rPr lang="en-US" altLang="ko-KR" dirty="0" smtClean="0"/>
+              <a:t>(API</a:t>
+            </a:r>
+            <a:r>
+              <a:rPr lang="ko-KR" altLang="en-US" dirty="0" smtClean="0"/>
+              <a:t>서비스</a:t>
+            </a:r>
+            <a:r>
+              <a:rPr lang="en-US" altLang="ko-KR" dirty="0" smtClean="0"/>
+              <a:t>)</a:t>
+            </a:r>
+            <a:endParaRPr lang="ko-KR" altLang="en-US" dirty="0"/>
+          </a:p>
+        </p:txBody>
+      </p:sp>
+      <p:sp>
+        <p:nvSpPr>
+          <p:cNvPr id="13" name="TextBox 12"/>
+          <p:cNvSpPr txBox="1"/>
+          <p:nvPr/>
+        </p:nvSpPr>
+        <p:spPr>
+          <a:xfrm>
+            <a:off x="5638800" y="1160956"/>
+            <a:ext cx="691215" cy="369332"/>
+          </a:xfrm>
+          <a:prstGeom prst="rect">
+            <a:avLst/>
+          </a:prstGeom>
+          <a:noFill/>
+        </p:spPr>
+        <p:txBody>
+          <a:bodyPr wrap="none" rtlCol="0">
+            <a:spAutoFit/>
+          </a:bodyPr>
+          <a:lstStyle/>
+          <a:p>
+            <a:r>
+              <a:rPr lang="en-US" altLang="ko-KR" dirty="0" smtClean="0">
+                <a:solidFill>
+                  <a:srgbClr val="C00000"/>
+                </a:solidFill>
+              </a:rPr>
+              <a:t>8000</a:t>
+            </a:r>
+            <a:endParaRPr lang="ko-KR" altLang="en-US" dirty="0">
+              <a:solidFill>
+                <a:srgbClr val="C00000"/>
+              </a:solidFill>
+            </a:endParaRPr>
+          </a:p>
+        </p:txBody>
+      </p:sp>
+      <p:sp>
+        <p:nvSpPr>
+          <p:cNvPr id="14" name="TextBox 13"/>
+          <p:cNvSpPr txBox="1"/>
+          <p:nvPr/>
+        </p:nvSpPr>
+        <p:spPr>
+          <a:xfrm>
+            <a:off x="9872119" y="1160956"/>
+            <a:ext cx="691215" cy="369332"/>
+          </a:xfrm>
+          <a:prstGeom prst="rect">
+            <a:avLst/>
+          </a:prstGeom>
+          <a:noFill/>
+        </p:spPr>
+        <p:txBody>
+          <a:bodyPr wrap="none" rtlCol="0">
+            <a:spAutoFit/>
+          </a:bodyPr>
+          <a:lstStyle/>
+          <a:p>
+            <a:r>
+              <a:rPr lang="en-US" altLang="ko-KR" dirty="0" smtClean="0">
+                <a:solidFill>
+                  <a:srgbClr val="C00000"/>
+                </a:solidFill>
+              </a:rPr>
+              <a:t>8080</a:t>
+            </a:r>
+            <a:endParaRPr lang="ko-KR" altLang="en-US" dirty="0">
+              <a:solidFill>
+                <a:srgbClr val="C00000"/>
+              </a:solidFill>
+            </a:endParaRPr>
+          </a:p>
+        </p:txBody>
+      </p:sp>
+      <p:cxnSp>
+        <p:nvCxnSpPr>
+          <p:cNvPr id="16" name="직선 화살표 연결선 15"/>
+          <p:cNvCxnSpPr>
+            <a:stCxn id="9" idx="3"/>
+            <a:endCxn id="10" idx="1"/>
+          </p:cNvCxnSpPr>
+          <p:nvPr/>
+        </p:nvCxnSpPr>
+        <p:spPr>
+          <a:xfrm>
+            <a:off x="3191960" y="1917122"/>
+            <a:ext cx="1572492" cy="0"/>
+          </a:xfrm>
+          <a:prstGeom prst="straightConnector1">
+            <a:avLst/>
+          </a:prstGeom>
+          <a:ln>
+            <a:tailEnd type="triangle"/>
+          </a:ln>
+        </p:spPr>
+        <p:style>
+          <a:lnRef idx="3">
+            <a:schemeClr val="accent2"/>
+          </a:lnRef>
+          <a:fillRef idx="0">
+            <a:schemeClr val="accent2"/>
+          </a:fillRef>
+          <a:effectRef idx="2">
+            <a:schemeClr val="accent2"/>
+          </a:effectRef>
+          <a:fontRef idx="minor">
+            <a:schemeClr val="tx1"/>
+          </a:fontRef>
+        </p:style>
+      </p:cxnSp>
+      <p:cxnSp>
+        <p:nvCxnSpPr>
+          <p:cNvPr id="17" name="직선 화살표 연결선 16"/>
+          <p:cNvCxnSpPr>
+            <a:stCxn id="10" idx="3"/>
+            <a:endCxn id="11" idx="1"/>
+          </p:cNvCxnSpPr>
+          <p:nvPr/>
+        </p:nvCxnSpPr>
+        <p:spPr>
+          <a:xfrm>
+            <a:off x="7204364" y="1917122"/>
+            <a:ext cx="1572491" cy="1"/>
+          </a:xfrm>
+          <a:prstGeom prst="straightConnector1">
+            <a:avLst/>
+          </a:prstGeom>
+          <a:ln>
+            <a:tailEnd type="triangle"/>
+          </a:ln>
+        </p:spPr>
+        <p:style>
+          <a:lnRef idx="3">
+            <a:schemeClr val="accent2"/>
+          </a:lnRef>
+          <a:fillRef idx="0">
+            <a:schemeClr val="accent2"/>
+          </a:fillRef>
+          <a:effectRef idx="2">
+            <a:schemeClr val="accent2"/>
+          </a:effectRef>
+          <a:fontRef idx="minor">
+            <a:schemeClr val="tx1"/>
+          </a:fontRef>
+        </p:style>
+      </p:cxnSp>
+      <p:sp>
+        <p:nvSpPr>
+          <p:cNvPr id="30" name="TextBox 29"/>
+          <p:cNvSpPr txBox="1"/>
+          <p:nvPr/>
+        </p:nvSpPr>
+        <p:spPr>
+          <a:xfrm>
+            <a:off x="4913602" y="2247260"/>
+            <a:ext cx="2141612" cy="369332"/>
+          </a:xfrm>
+          <a:prstGeom prst="rect">
+            <a:avLst/>
+          </a:prstGeom>
+          <a:noFill/>
+        </p:spPr>
+        <p:txBody>
+          <a:bodyPr wrap="none" rtlCol="0">
+            <a:spAutoFit/>
+          </a:bodyPr>
+          <a:lstStyle/>
+          <a:p>
+            <a:r>
+              <a:rPr lang="en-US" altLang="ko-KR" dirty="0" smtClean="0">
+                <a:solidFill>
+                  <a:srgbClr val="C00000"/>
+                </a:solidFill>
+              </a:rPr>
+              <a:t>todo_app_api:8080</a:t>
+            </a:r>
+            <a:endParaRPr lang="ko-KR" altLang="en-US" dirty="0">
+              <a:solidFill>
+                <a:srgbClr val="C00000"/>
+              </a:solidFill>
+            </a:endParaRPr>
+          </a:p>
+        </p:txBody>
+      </p:sp>
+      <p:sp>
+        <p:nvSpPr>
+          <p:cNvPr id="31" name="TextBox 30"/>
+          <p:cNvSpPr txBox="1"/>
+          <p:nvPr/>
+        </p:nvSpPr>
+        <p:spPr>
+          <a:xfrm>
+            <a:off x="8107326" y="3158836"/>
+            <a:ext cx="3086101" cy="1477328"/>
+          </a:xfrm>
+          <a:prstGeom prst="rect">
+            <a:avLst/>
+          </a:prstGeom>
+          <a:noFill/>
+          <a:ln>
+            <a:solidFill>
+              <a:schemeClr val="tx1"/>
+            </a:solidFill>
+          </a:ln>
+        </p:spPr>
+        <p:txBody>
+          <a:bodyPr wrap="none" rtlCol="0">
+            <a:spAutoFit/>
+          </a:bodyPr>
+          <a:lstStyle/>
+          <a:p>
+            <a:pPr marL="285750" indent="-285750">
+              <a:buFontTx/>
+              <a:buChar char="-"/>
+            </a:pPr>
+            <a:r>
+              <a:rPr lang="ko-KR" altLang="en-US" dirty="0" smtClean="0"/>
+              <a:t>접근 </a:t>
+            </a:r>
+            <a:r>
+              <a:rPr lang="ko-KR" altLang="en-US" dirty="0"/>
+              <a:t>로그 생성</a:t>
+            </a:r>
+            <a:r>
+              <a:rPr lang="en-US" altLang="ko-KR" dirty="0"/>
+              <a:t>(</a:t>
+            </a:r>
+            <a:r>
+              <a:rPr lang="ko-KR" altLang="en-US" dirty="0"/>
+              <a:t>단일접근</a:t>
+            </a:r>
+            <a:r>
+              <a:rPr lang="en-US" altLang="ko-KR" dirty="0" smtClean="0"/>
+              <a:t>)</a:t>
+            </a:r>
+          </a:p>
+          <a:p>
+            <a:pPr marL="285750" indent="-285750">
+              <a:buFontTx/>
+              <a:buChar char="-"/>
+            </a:pPr>
+            <a:endParaRPr lang="en-US" altLang="ko-KR" dirty="0" smtClean="0"/>
+          </a:p>
+          <a:p>
+            <a:pPr marL="285750" indent="-285750">
+              <a:buFontTx/>
+              <a:buChar char="-"/>
+            </a:pPr>
+            <a:r>
+              <a:rPr lang="ko-KR" altLang="en-US" dirty="0" smtClean="0"/>
+              <a:t>캐시 제어</a:t>
+            </a:r>
+            <a:endParaRPr lang="en-US" altLang="ko-KR" dirty="0" smtClean="0"/>
+          </a:p>
+          <a:p>
+            <a:pPr marL="285750" indent="-285750">
+              <a:buFontTx/>
+              <a:buChar char="-"/>
+            </a:pPr>
+            <a:endParaRPr lang="en-US" altLang="ko-KR" dirty="0" smtClean="0"/>
+          </a:p>
+          <a:p>
+            <a:pPr marL="285750" indent="-285750">
+              <a:buFontTx/>
+              <a:buChar char="-"/>
+            </a:pPr>
+            <a:r>
+              <a:rPr lang="ko-KR" altLang="en-US" dirty="0" smtClean="0"/>
+              <a:t>라우팅 설정</a:t>
+            </a:r>
+            <a:endParaRPr lang="en-US" altLang="ko-KR" dirty="0" smtClean="0"/>
+          </a:p>
+        </p:txBody>
+      </p:sp>
+    </p:spTree>
+    <p:extLst>
+      <p:ext uri="{BB962C8B-B14F-4D97-AF65-F5344CB8AC3E}">
+        <p14:creationId xmlns:p14="http://schemas.microsoft.com/office/powerpoint/2010/main" val="2841522235"/>
       </p:ext>
     </p:extLst>
   </p:cSld>
